--- a/presentation/PresentationFinal.pptx
+++ b/presentation/PresentationFinal.pptx
@@ -12,9 +12,9 @@
     <p:sldId id="257" r:id="rId3"/>
     <p:sldId id="258" r:id="rId4"/>
     <p:sldId id="259" r:id="rId5"/>
-    <p:sldId id="267" r:id="rId6"/>
-    <p:sldId id="261" r:id="rId7"/>
-    <p:sldId id="262" r:id="rId8"/>
+    <p:sldId id="268" r:id="rId6"/>
+    <p:sldId id="269" r:id="rId7"/>
+    <p:sldId id="270" r:id="rId8"/>
     <p:sldId id="266" r:id="rId9"/>
     <p:sldId id="263" r:id="rId10"/>
     <p:sldId id="265" r:id="rId11"/>
@@ -468,6 +468,90 @@
     </a:lvl9pPr>
   </p:notesStyle>
 </p:notesMaster>
+</file>
+
+<file path=ppt/notesSlides/notesSlide1.xml><?xml version="1.0" encoding="utf-8"?>
+<p:notes xmlns:a="http://schemas.openxmlformats.org/drawingml/2006/main" xmlns:r="http://schemas.openxmlformats.org/officeDocument/2006/relationships" xmlns:p="http://schemas.openxmlformats.org/presentationml/2006/main">
+  <p:cSld>
+    <p:spTree>
+      <p:nvGrpSpPr>
+        <p:cNvPr id="1" name=""/>
+        <p:cNvGrpSpPr/>
+        <p:nvPr/>
+      </p:nvGrpSpPr>
+      <p:grpSpPr>
+        <a:xfrm>
+          <a:off x="0" y="0"/>
+          <a:ext cx="0" cy="0"/>
+          <a:chOff x="0" y="0"/>
+          <a:chExt cx="0" cy="0"/>
+        </a:xfrm>
+      </p:grpSpPr>
+      <p:sp>
+        <p:nvSpPr>
+          <p:cNvPr id="2" name="Slide Image Placeholder 1"/>
+          <p:cNvSpPr>
+            <a:spLocks noGrp="1" noRot="1" noChangeAspect="1"/>
+          </p:cNvSpPr>
+          <p:nvPr>
+            <p:ph type="sldImg"/>
+          </p:nvPr>
+        </p:nvSpPr>
+        <p:spPr/>
+      </p:sp>
+      <p:sp>
+        <p:nvSpPr>
+          <p:cNvPr id="3" name="Notes Placeholder 2"/>
+          <p:cNvSpPr>
+            <a:spLocks noGrp="1"/>
+          </p:cNvSpPr>
+          <p:nvPr>
+            <p:ph type="body" idx="1"/>
+          </p:nvPr>
+        </p:nvSpPr>
+        <p:spPr/>
+        <p:txBody>
+          <a:bodyPr/>
+          <a:lstStyle/>
+          <a:p>
+            <a:endParaRPr lang="en-US" dirty="0"/>
+          </a:p>
+        </p:txBody>
+      </p:sp>
+      <p:sp>
+        <p:nvSpPr>
+          <p:cNvPr id="4" name="Slide Number Placeholder 3"/>
+          <p:cNvSpPr>
+            <a:spLocks noGrp="1"/>
+          </p:cNvSpPr>
+          <p:nvPr>
+            <p:ph type="sldNum" sz="quarter" idx="10"/>
+          </p:nvPr>
+        </p:nvSpPr>
+        <p:spPr/>
+        <p:txBody>
+          <a:bodyPr/>
+          <a:lstStyle/>
+          <a:p>
+            <a:fld id="{C7B39F4E-15F8-2B46-8D7E-EA77CBC8061F}" type="slidenum">
+              <a:rPr lang="en-US" smtClean="0"/>
+              <a:t>6</a:t>
+            </a:fld>
+            <a:endParaRPr lang="en-US"/>
+          </a:p>
+        </p:txBody>
+      </p:sp>
+    </p:spTree>
+    <p:extLst>
+      <p:ext uri="{BB962C8B-B14F-4D97-AF65-F5344CB8AC3E}">
+        <p14:creationId xmlns:p14="http://schemas.microsoft.com/office/powerpoint/2010/main" val="1287528281"/>
+      </p:ext>
+    </p:extLst>
+  </p:cSld>
+  <p:clrMapOvr>
+    <a:masterClrMapping/>
+  </p:clrMapOvr>
+</p:notes>
 </file>
 
 <file path=ppt/slideLayouts/slideLayout1.xml><?xml version="1.0" encoding="utf-8"?>
@@ -4023,7 +4107,7 @@
           <a:p>
             <a:r>
               <a:rPr lang="en-US" sz="2800" dirty="0" smtClean="0"/>
-              <a:t>We explored matrix factorization, and user and item based collaborative filtering against a popularity baseline</a:t>
+              <a:t>We explored matrix factorization and user and item based collaborative filtering</a:t>
             </a:r>
             <a:endParaRPr lang="en-US" sz="2600" dirty="0" smtClean="0"/>
           </a:p>
@@ -4254,7 +4338,7 @@
           <a:p>
             <a:r>
               <a:rPr lang="en-US" dirty="0" smtClean="0"/>
-              <a:t>MAP@500 takes into account the first 500 recommendations given to each user and calculates number of true positives against total number of recommended songs at each position, averaged together. It then takes the average across all users</a:t>
+              <a:t>MAP@500 takes into account the first 500 recommendations given to each user and calculates the number of true positives vs. the test set against the total number of recommended songs at each position, averaged together. It then takes the average across all users</a:t>
             </a:r>
           </a:p>
           <a:p>
@@ -4339,33 +4423,206 @@
               <a:rPr lang="en-US" dirty="0" smtClean="0"/>
               <a:t>Matrix Factorization</a:t>
             </a:r>
+            <a:br>
+              <a:rPr lang="en-US" dirty="0" smtClean="0"/>
+            </a:br>
+            <a:r>
+              <a:rPr lang="en-US" sz="3200" dirty="0" err="1" smtClean="0"/>
+              <a:t>Hyperparameters</a:t>
+            </a:r>
+            <a:endParaRPr lang="en-US" sz="3200" dirty="0"/>
+          </a:p>
+        </p:txBody>
+      </p:sp>
+      <p:pic>
+        <p:nvPicPr>
+          <p:cNvPr id="4" name="Picture 3" descr="eq1.png"/>
+          <p:cNvPicPr>
+            <a:picLocks noChangeAspect="1"/>
+          </p:cNvPicPr>
+          <p:nvPr/>
+        </p:nvPicPr>
+        <p:blipFill>
+          <a:blip r:embed="rId2">
+            <a:extLst>
+              <a:ext uri="{28A0092B-C50C-407E-A947-70E740481C1C}">
+                <a14:useLocalDpi xmlns:a14="http://schemas.microsoft.com/office/drawing/2010/main" val="0"/>
+              </a:ext>
+            </a:extLst>
+          </a:blip>
+          <a:stretch>
+            <a:fillRect/>
+          </a:stretch>
+        </p:blipFill>
+        <p:spPr>
+          <a:xfrm>
+            <a:off x="812111" y="4871732"/>
+            <a:ext cx="3513245" cy="685633"/>
+          </a:xfrm>
+          <a:prstGeom prst="rect">
+            <a:avLst/>
+          </a:prstGeom>
+        </p:spPr>
+      </p:pic>
+      <p:pic>
+        <p:nvPicPr>
+          <p:cNvPr id="5" name="Picture 4" descr="eq2.png"/>
+          <p:cNvPicPr>
+            <a:picLocks noChangeAspect="1"/>
+          </p:cNvPicPr>
+          <p:nvPr/>
+        </p:nvPicPr>
+        <p:blipFill>
+          <a:blip r:embed="rId3">
+            <a:extLst>
+              <a:ext uri="{28A0092B-C50C-407E-A947-70E740481C1C}">
+                <a14:useLocalDpi xmlns:a14="http://schemas.microsoft.com/office/drawing/2010/main" val="0"/>
+              </a:ext>
+            </a:extLst>
+          </a:blip>
+          <a:stretch>
+            <a:fillRect/>
+          </a:stretch>
+        </p:blipFill>
+        <p:spPr>
+          <a:xfrm>
+            <a:off x="814410" y="5631514"/>
+            <a:ext cx="3510947" cy="695137"/>
+          </a:xfrm>
+          <a:prstGeom prst="rect">
+            <a:avLst/>
+          </a:prstGeom>
+        </p:spPr>
+      </p:pic>
+      <p:pic>
+        <p:nvPicPr>
+          <p:cNvPr id="6" name="Picture 5"/>
+          <p:cNvPicPr>
+            <a:picLocks noChangeAspect="1"/>
+          </p:cNvPicPr>
+          <p:nvPr/>
+        </p:nvPicPr>
+        <p:blipFill>
+          <a:blip r:embed="rId4"/>
+          <a:stretch>
+            <a:fillRect/>
+          </a:stretch>
+        </p:blipFill>
+        <p:spPr>
+          <a:xfrm>
+            <a:off x="1638968" y="1654637"/>
+            <a:ext cx="5256463" cy="2610763"/>
+          </a:xfrm>
+          <a:prstGeom prst="rect">
+            <a:avLst/>
+          </a:prstGeom>
+        </p:spPr>
+      </p:pic>
+      <p:sp>
+        <p:nvSpPr>
+          <p:cNvPr id="7" name="TextBox 6"/>
+          <p:cNvSpPr txBox="1"/>
+          <p:nvPr/>
+        </p:nvSpPr>
+        <p:spPr>
+          <a:xfrm>
+            <a:off x="699247" y="4502400"/>
+            <a:ext cx="3738972" cy="369332"/>
+          </a:xfrm>
+          <a:prstGeom prst="rect">
+            <a:avLst/>
+          </a:prstGeom>
+          <a:noFill/>
+        </p:spPr>
+        <p:txBody>
+          <a:bodyPr wrap="none" rtlCol="0">
+            <a:spAutoFit/>
+          </a:bodyPr>
+          <a:lstStyle/>
+          <a:p>
+            <a:r>
+              <a:rPr lang="en-US" dirty="0" smtClean="0"/>
+              <a:t>Alternating least squares optimization</a:t>
+            </a:r>
             <a:endParaRPr lang="en-US" dirty="0"/>
           </a:p>
         </p:txBody>
       </p:sp>
       <p:sp>
         <p:nvSpPr>
-          <p:cNvPr id="3" name="Content Placeholder 2"/>
-          <p:cNvSpPr>
-            <a:spLocks noGrp="1"/>
-          </p:cNvSpPr>
-          <p:nvPr>
-            <p:ph idx="1"/>
-          </p:nvPr>
-        </p:nvSpPr>
-        <p:spPr/>
-        <p:txBody>
-          <a:bodyPr/>
-          <a:lstStyle/>
-          <a:p>
-            <a:endParaRPr lang="en-US"/>
+          <p:cNvPr id="10" name="TextBox 9"/>
+          <p:cNvSpPr txBox="1"/>
+          <p:nvPr/>
+        </p:nvSpPr>
+        <p:spPr>
+          <a:xfrm>
+            <a:off x="4819678" y="4502400"/>
+            <a:ext cx="3381425" cy="1477328"/>
+          </a:xfrm>
+          <a:prstGeom prst="rect">
+            <a:avLst/>
+          </a:prstGeom>
+          <a:noFill/>
+        </p:spPr>
+        <p:txBody>
+          <a:bodyPr wrap="square" rtlCol="0">
+            <a:spAutoFit/>
+          </a:bodyPr>
+          <a:lstStyle/>
+          <a:p>
+            <a:r>
+              <a:rPr lang="en-US" dirty="0" err="1" smtClean="0"/>
+              <a:t>Hyperparameters</a:t>
+            </a:r>
+            <a:endParaRPr lang="en-US" dirty="0" smtClean="0"/>
+          </a:p>
+          <a:p>
+            <a:pPr marL="285750" indent="-285750">
+              <a:buFont typeface="Arial"/>
+              <a:buChar char="•"/>
+            </a:pPr>
+            <a:r>
+              <a:rPr lang="en-US" dirty="0" smtClean="0"/>
+              <a:t>Rank</a:t>
+            </a:r>
+          </a:p>
+          <a:p>
+            <a:pPr marL="285750" indent="-285750">
+              <a:buFont typeface="Arial"/>
+              <a:buChar char="•"/>
+            </a:pPr>
+            <a:r>
+              <a:rPr lang="en-US" dirty="0" smtClean="0"/>
+              <a:t>Variance</a:t>
+            </a:r>
+          </a:p>
+          <a:p>
+            <a:pPr marL="285750" indent="-285750">
+              <a:buFont typeface="Arial"/>
+              <a:buChar char="•"/>
+            </a:pPr>
+            <a:r>
+              <a:rPr lang="en-US" dirty="0" smtClean="0"/>
+              <a:t>Iterations</a:t>
+            </a:r>
+          </a:p>
+          <a:p>
+            <a:pPr marL="285750" indent="-285750">
+              <a:buFont typeface="Arial"/>
+              <a:buChar char="•"/>
+            </a:pPr>
+            <a:r>
+              <a:rPr lang="en-US" dirty="0" smtClean="0"/>
+              <a:t>Lambda set to 10</a:t>
+            </a:r>
+            <a:endParaRPr lang="en-US" dirty="0"/>
           </a:p>
         </p:txBody>
       </p:sp>
     </p:spTree>
     <p:extLst>
       <p:ext uri="{BB962C8B-B14F-4D97-AF65-F5344CB8AC3E}">
-        <p14:creationId xmlns:p14="http://schemas.microsoft.com/office/powerpoint/2010/main" val="3114642789"/>
+        <p14:creationId xmlns:p14="http://schemas.microsoft.com/office/powerpoint/2010/main" val="2933583933"/>
       </p:ext>
     </p:extLst>
   </p:cSld>
@@ -4411,7 +4668,14 @@
               <a:rPr lang="en-US" dirty="0" smtClean="0"/>
               <a:t>Matrix Factorization</a:t>
             </a:r>
-            <a:endParaRPr lang="en-US" dirty="0"/>
+            <a:br>
+              <a:rPr lang="en-US" dirty="0" smtClean="0"/>
+            </a:br>
+            <a:r>
+              <a:rPr lang="en-US" sz="3200" dirty="0" smtClean="0"/>
+              <a:t>Initial Results</a:t>
+            </a:r>
+            <a:endParaRPr lang="en-US" sz="3200" dirty="0"/>
           </a:p>
         </p:txBody>
       </p:sp>
@@ -4424,7 +4688,7 @@
           <p:nvPr/>
         </p:nvPicPr>
         <p:blipFill>
-          <a:blip r:embed="rId2">
+          <a:blip r:embed="rId3">
             <a:extLst>
               <a:ext uri="{28A0092B-C50C-407E-A947-70E740481C1C}">
                 <a14:useLocalDpi xmlns:a14="http://schemas.microsoft.com/office/drawing/2010/main" val="0"/>
@@ -4437,7 +4701,7 @@
         </p:blipFill>
         <p:spPr>
           <a:xfrm>
-            <a:off x="168306" y="1806633"/>
+            <a:off x="250528" y="1456790"/>
             <a:ext cx="8033343" cy="3792983"/>
           </a:xfrm>
           <a:prstGeom prst="rect">
@@ -4445,10 +4709,155 @@
           </a:prstGeom>
         </p:spPr>
       </p:pic>
+      <p:sp>
+        <p:nvSpPr>
+          <p:cNvPr id="3" name="TextBox 2"/>
+          <p:cNvSpPr txBox="1"/>
+          <p:nvPr/>
+        </p:nvSpPr>
+        <p:spPr>
+          <a:xfrm>
+            <a:off x="685799" y="5480485"/>
+            <a:ext cx="7247965" cy="1200329"/>
+          </a:xfrm>
+          <a:prstGeom prst="rect">
+            <a:avLst/>
+          </a:prstGeom>
+          <a:noFill/>
+        </p:spPr>
+        <p:txBody>
+          <a:bodyPr wrap="square" rtlCol="0">
+            <a:spAutoFit/>
+          </a:bodyPr>
+          <a:lstStyle/>
+          <a:p>
+            <a:pPr marL="285750" indent="-285750">
+              <a:buFont typeface="Arial" panose="020B0604020202020204" pitchFamily="34" charset="0"/>
+              <a:buChar char="•"/>
+            </a:pPr>
+            <a:r>
+              <a:rPr lang="en-US" dirty="0" smtClean="0"/>
+              <a:t>MAP </a:t>
+            </a:r>
+            <a:r>
+              <a:rPr lang="en-US" dirty="0" smtClean="0"/>
+              <a:t>values were</a:t>
+            </a:r>
+            <a:r>
+              <a:rPr lang="en-US" dirty="0" smtClean="0"/>
+              <a:t> </a:t>
+            </a:r>
+            <a:r>
+              <a:rPr lang="en-US" dirty="0" smtClean="0"/>
+              <a:t>significantly below the popularity baseline</a:t>
+            </a:r>
+          </a:p>
+          <a:p>
+            <a:pPr marL="285750" indent="-285750">
+              <a:buFont typeface="Arial" panose="020B0604020202020204" pitchFamily="34" charset="0"/>
+              <a:buChar char="•"/>
+            </a:pPr>
+            <a:r>
+              <a:rPr lang="en-US" dirty="0" smtClean="0"/>
+              <a:t>MAP values </a:t>
+            </a:r>
+            <a:r>
+              <a:rPr lang="en-US" dirty="0" smtClean="0"/>
+              <a:t>were</a:t>
+            </a:r>
+            <a:r>
+              <a:rPr lang="en-US" dirty="0" smtClean="0"/>
+              <a:t> </a:t>
+            </a:r>
+            <a:r>
+              <a:rPr lang="en-US" dirty="0" smtClean="0"/>
+              <a:t>poor and </a:t>
+            </a:r>
+            <a:r>
+              <a:rPr lang="en-US" dirty="0" smtClean="0"/>
+              <a:t>do </a:t>
+            </a:r>
+            <a:r>
+              <a:rPr lang="en-US" dirty="0" smtClean="0"/>
+              <a:t>not change significantly across iterations</a:t>
+            </a:r>
+          </a:p>
+          <a:p>
+            <a:pPr marL="285750" indent="-285750">
+              <a:buFont typeface="Arial" panose="020B0604020202020204" pitchFamily="34" charset="0"/>
+              <a:buChar char="•"/>
+            </a:pPr>
+            <a:r>
+              <a:rPr lang="en-US" dirty="0"/>
+              <a:t>Log joint likelihood </a:t>
+            </a:r>
+            <a:r>
+              <a:rPr lang="en-US" dirty="0" smtClean="0"/>
+              <a:t>converged </a:t>
+            </a:r>
+            <a:r>
+              <a:rPr lang="en-US" dirty="0"/>
+              <a:t>sufficiently within 30 </a:t>
+            </a:r>
+            <a:r>
+              <a:rPr lang="en-US" dirty="0" smtClean="0"/>
+              <a:t>iterations</a:t>
+            </a:r>
+          </a:p>
+          <a:p>
+            <a:pPr marL="285750" indent="-285750">
+              <a:buFont typeface="Arial" panose="020B0604020202020204" pitchFamily="34" charset="0"/>
+              <a:buChar char="•"/>
+            </a:pPr>
+            <a:r>
+              <a:rPr lang="en-US" dirty="0" smtClean="0"/>
+              <a:t>Implicit feedback issue </a:t>
+            </a:r>
+            <a:r>
+              <a:rPr lang="en-US" dirty="0" smtClean="0"/>
+              <a:t>required </a:t>
+            </a:r>
+            <a:r>
+              <a:rPr lang="en-US" dirty="0" smtClean="0"/>
+              <a:t>testing of normalization schemas </a:t>
+            </a:r>
+          </a:p>
+        </p:txBody>
+      </p:sp>
+      <p:sp>
+        <p:nvSpPr>
+          <p:cNvPr id="5" name="TextBox 4"/>
+          <p:cNvSpPr txBox="1"/>
+          <p:nvPr/>
+        </p:nvSpPr>
+        <p:spPr>
+          <a:xfrm>
+            <a:off x="2389377" y="5150425"/>
+            <a:ext cx="3755644" cy="276999"/>
+          </a:xfrm>
+          <a:prstGeom prst="rect">
+            <a:avLst/>
+          </a:prstGeom>
+          <a:noFill/>
+        </p:spPr>
+        <p:txBody>
+          <a:bodyPr wrap="none" rtlCol="0">
+            <a:spAutoFit/>
+          </a:bodyPr>
+          <a:lstStyle/>
+          <a:p>
+            <a:r>
+              <a:rPr lang="en-US" sz="1200" i="1" dirty="0" smtClean="0"/>
+              <a:t>Using rank = 80 and variance = 1.0 with play count values</a:t>
+            </a:r>
+            <a:endParaRPr lang="en-US" sz="1200" i="1" dirty="0"/>
+          </a:p>
+        </p:txBody>
+      </p:sp>
     </p:spTree>
     <p:extLst>
       <p:ext uri="{BB962C8B-B14F-4D97-AF65-F5344CB8AC3E}">
-        <p14:creationId xmlns:p14="http://schemas.microsoft.com/office/powerpoint/2010/main" val="3289247839"/>
+        <p14:creationId xmlns:p14="http://schemas.microsoft.com/office/powerpoint/2010/main" val="2318320765"/>
       </p:ext>
     </p:extLst>
   </p:cSld>
@@ -4494,7 +4903,18 @@
               <a:rPr lang="en-US" dirty="0" smtClean="0"/>
               <a:t>Matrix Factorization</a:t>
             </a:r>
-            <a:endParaRPr lang="en-US" dirty="0"/>
+            <a:br>
+              <a:rPr lang="en-US" dirty="0" smtClean="0"/>
+            </a:br>
+            <a:r>
+              <a:rPr lang="en-US" sz="3200" dirty="0" smtClean="0"/>
+              <a:t>Normalization </a:t>
+            </a:r>
+            <a:r>
+              <a:rPr lang="en-US" sz="3200" dirty="0" smtClean="0"/>
+              <a:t>Schemas</a:t>
+            </a:r>
+            <a:endParaRPr lang="en-US" sz="3200" dirty="0"/>
           </a:p>
         </p:txBody>
       </p:sp>
@@ -4520,18 +4940,82 @@
         </p:blipFill>
         <p:spPr>
           <a:xfrm>
-            <a:off x="839705" y="1417638"/>
-            <a:ext cx="6793356" cy="4351377"/>
+            <a:off x="839705" y="1417639"/>
+            <a:ext cx="6520086" cy="4176338"/>
           </a:xfrm>
           <a:prstGeom prst="rect">
             <a:avLst/>
           </a:prstGeom>
         </p:spPr>
       </p:pic>
+      <p:sp>
+        <p:nvSpPr>
+          <p:cNvPr id="5" name="TextBox 4"/>
+          <p:cNvSpPr txBox="1"/>
+          <p:nvPr/>
+        </p:nvSpPr>
+        <p:spPr>
+          <a:xfrm>
+            <a:off x="581421" y="5593977"/>
+            <a:ext cx="6778370" cy="1200329"/>
+          </a:xfrm>
+          <a:prstGeom prst="rect">
+            <a:avLst/>
+          </a:prstGeom>
+          <a:noFill/>
+        </p:spPr>
+        <p:txBody>
+          <a:bodyPr wrap="square" rtlCol="0">
+            <a:spAutoFit/>
+          </a:bodyPr>
+          <a:lstStyle/>
+          <a:p>
+            <a:pPr marL="285750" indent="-285750">
+              <a:buFont typeface="Arial"/>
+              <a:buChar char="•"/>
+            </a:pPr>
+            <a:r>
+              <a:rPr lang="en-US" dirty="0" smtClean="0"/>
+              <a:t>Rank had marginal impact</a:t>
+            </a:r>
+          </a:p>
+          <a:p>
+            <a:pPr marL="285750" indent="-285750">
+              <a:buFont typeface="Arial"/>
+              <a:buChar char="•"/>
+            </a:pPr>
+            <a:r>
+              <a:rPr lang="en-US" dirty="0" smtClean="0"/>
+              <a:t>Variance had some correlation with the normalization used</a:t>
+            </a:r>
+          </a:p>
+          <a:p>
+            <a:pPr marL="285750" indent="-285750">
+              <a:buFont typeface="Arial"/>
+              <a:buChar char="•"/>
+            </a:pPr>
+            <a:r>
+              <a:rPr lang="en-US" dirty="0" smtClean="0"/>
+              <a:t>Binary scheme provided the best MAP value of 0.0143</a:t>
+            </a:r>
+          </a:p>
+          <a:p>
+            <a:pPr marL="285750" indent="-285750">
+              <a:buFont typeface="Arial"/>
+              <a:buChar char="•"/>
+            </a:pPr>
+            <a:r>
+              <a:rPr lang="en-US" dirty="0" smtClean="0"/>
+              <a:t>Data was likely too sparse for matrix factorization to identify biases</a:t>
+            </a:r>
+            <a:endParaRPr lang="en-US" dirty="0"/>
+          </a:p>
+        </p:txBody>
+      </p:sp>
     </p:spTree>
     <p:extLst>
       <p:ext uri="{BB962C8B-B14F-4D97-AF65-F5344CB8AC3E}">
-        <p14:creationId xmlns:p14="http://schemas.microsoft.com/office/powerpoint/2010/main" val="848500441"/>
+        <p14:creationId xmlns:p14="http://schemas.microsoft.com/office/powerpoint/2010/main" val="4131614635"/>
       </p:ext>
     </p:extLst>
   </p:cSld>
@@ -4580,7 +5064,7 @@
           <a:p>
             <a:r>
               <a:rPr lang="en-US" dirty="0" smtClean="0"/>
-              <a:t>Calculated cosine similarity of every pair of users in the subset</a:t>
+              <a:t>Calculated similarity of every pair of users in the subset</a:t>
             </a:r>
           </a:p>
           <a:p>
@@ -4793,7 +5277,7 @@
           <a:p>
             <a:r>
               <a:rPr lang="en-US" dirty="0" smtClean="0"/>
-              <a:t>Calculated cosine similarity of every pair of songs in the subset</a:t>
+              <a:t>Calculated similarity of every pair of songs in the subset</a:t>
             </a:r>
           </a:p>
           <a:p>
@@ -4843,7 +5327,15 @@
             </a:r>
             <a:r>
               <a:rPr lang="en-US" dirty="0" smtClean="0"/>
-              <a:t>, we then summed similarity scores across all songs, </a:t>
+              <a:t>, we then summed similarity scores for each similar song, </a:t>
+            </a:r>
+            <a:r>
+              <a:rPr lang="en-US" i="1" dirty="0" smtClean="0"/>
+              <a:t>b</a:t>
+            </a:r>
+            <a:r>
+              <a:rPr lang="en-US" dirty="0" smtClean="0"/>
+              <a:t>, across all songs, </a:t>
             </a:r>
             <a:r>
               <a:rPr lang="en-US" i="1" dirty="0" smtClean="0"/>
@@ -4940,7 +5432,7 @@
         </p:blipFill>
         <p:spPr>
           <a:xfrm>
-            <a:off x="2396223" y="5321060"/>
+            <a:off x="2396223" y="5364857"/>
             <a:ext cx="3111980" cy="870484"/>
           </a:xfrm>
           <a:prstGeom prst="rect">

--- a/presentation/PresentationFinal.pptx
+++ b/presentation/PresentationFinal.pptx
@@ -3804,37 +3804,31 @@
             <a:endParaRPr lang="en-US" dirty="0" smtClean="0"/>
           </a:p>
           <a:p>
-            <a:pPr marL="114300" indent="0">
-              <a:buNone/>
-            </a:pPr>
-            <a:endParaRPr lang="en-US" dirty="0" smtClean="0"/>
-          </a:p>
-          <a:p>
-            <a:r>
-              <a:rPr lang="en-US" dirty="0" smtClean="0"/>
+            <a:r>
+              <a:rPr lang="en-US" sz="2600" dirty="0" smtClean="0"/>
               <a:t>Next Steps</a:t>
             </a:r>
           </a:p>
           <a:p>
             <a:pPr lvl="1"/>
             <a:r>
-              <a:rPr lang="en-US" dirty="0" smtClean="0"/>
+              <a:rPr lang="en-US" sz="2200" dirty="0" smtClean="0"/>
               <a:t>Incorporate tags and metadata present in the dataset (e.g. year, genre, audio metadata)</a:t>
             </a:r>
           </a:p>
           <a:p>
             <a:pPr lvl="1"/>
             <a:r>
-              <a:rPr lang="en-US" dirty="0" smtClean="0"/>
+              <a:rPr lang="en-US" sz="2200" dirty="0" smtClean="0"/>
               <a:t>Expand the size of the subset and distribute the workload to multiple machines</a:t>
             </a:r>
-            <a:endParaRPr lang="en-US" dirty="0"/>
+            <a:endParaRPr lang="en-US" sz="2200" dirty="0"/>
           </a:p>
         </p:txBody>
       </p:sp>
       <p:pic>
         <p:nvPicPr>
-          <p:cNvPr id="4" name="Picture 3" descr="mapTable.png"/>
+          <p:cNvPr id="5" name="Picture 4" descr="mapTable.png"/>
           <p:cNvPicPr>
             <a:picLocks noChangeAspect="1"/>
           </p:cNvPicPr>
@@ -3854,8 +3848,8 @@
         </p:blipFill>
         <p:spPr>
           <a:xfrm>
-            <a:off x="457200" y="1417638"/>
-            <a:ext cx="7620000" cy="2560231"/>
+            <a:off x="997327" y="1417638"/>
+            <a:ext cx="6433190" cy="2359361"/>
           </a:xfrm>
           <a:prstGeom prst="rect">
             <a:avLst/>
@@ -4197,7 +4191,15 @@
           <a:p>
             <a:r>
               <a:rPr lang="en-US" dirty="0"/>
-              <a:t>The sample data set had </a:t>
+              <a:t>The sample </a:t>
+            </a:r>
+            <a:r>
+              <a:rPr lang="en-US" dirty="0" smtClean="0"/>
+              <a:t>dataset </a:t>
+            </a:r>
+            <a:r>
+              <a:rPr lang="en-US" dirty="0"/>
+              <a:t>had </a:t>
             </a:r>
             <a:r>
               <a:rPr lang="en-US" dirty="0" smtClean="0"/>
@@ -4362,7 +4364,7 @@
             </a:r>
             <a:r>
               <a:rPr lang="en-US" dirty="0" smtClean="0"/>
-              <a:t>he most popular songs from the artists that the user had already listened to (MAP = 0.0448)</a:t>
+              <a:t>he 500 most popular songs ordered by the artists that the user had already listened to at the front (MAP = 0.0448)</a:t>
             </a:r>
           </a:p>
         </p:txBody>
@@ -4578,6 +4580,9 @@
           </a:p>
           <a:p>
             <a:pPr marL="285750" indent="-285750">
+              <a:buClr>
+                <a:schemeClr val="accent1"/>
+              </a:buClr>
               <a:buFont typeface="Arial"/>
               <a:buChar char="•"/>
             </a:pPr>
@@ -4588,6 +4593,9 @@
           </a:p>
           <a:p>
             <a:pPr marL="285750" indent="-285750">
+              <a:buClr>
+                <a:schemeClr val="accent1"/>
+              </a:buClr>
               <a:buFont typeface="Arial"/>
               <a:buChar char="•"/>
             </a:pPr>
@@ -4598,6 +4606,9 @@
           </a:p>
           <a:p>
             <a:pPr marL="285750" indent="-285750">
+              <a:buClr>
+                <a:schemeClr val="accent1"/>
+              </a:buClr>
               <a:buFont typeface="Arial"/>
               <a:buChar char="•"/>
             </a:pPr>
@@ -4608,6 +4619,9 @@
           </a:p>
           <a:p>
             <a:pPr marL="285750" indent="-285750">
+              <a:buClr>
+                <a:schemeClr val="accent1"/>
+              </a:buClr>
               <a:buFont typeface="Arial"/>
               <a:buChar char="•"/>
             </a:pPr>
@@ -4732,6 +4746,9 @@
           <a:lstStyle/>
           <a:p>
             <a:pPr marL="285750" indent="-285750">
+              <a:buClr>
+                <a:schemeClr val="accent1"/>
+              </a:buClr>
               <a:buFont typeface="Arial" panose="020B0604020202020204" pitchFamily="34" charset="0"/>
               <a:buChar char="•"/>
             </a:pPr>
@@ -4754,6 +4771,9 @@
           </a:p>
           <a:p>
             <a:pPr marL="285750" indent="-285750">
+              <a:buClr>
+                <a:schemeClr val="accent1"/>
+              </a:buClr>
               <a:buFont typeface="Arial" panose="020B0604020202020204" pitchFamily="34" charset="0"/>
               <a:buChar char="•"/>
             </a:pPr>
@@ -4775,7 +4795,7 @@
             </a:r>
             <a:r>
               <a:rPr lang="en-US" dirty="0" smtClean="0"/>
-              <a:t>do </a:t>
+              <a:t>did </a:t>
             </a:r>
             <a:r>
               <a:rPr lang="en-US" dirty="0" smtClean="0"/>
@@ -4784,6 +4804,9 @@
           </a:p>
           <a:p>
             <a:pPr marL="285750" indent="-285750">
+              <a:buClr>
+                <a:schemeClr val="accent1"/>
+              </a:buClr>
               <a:buFont typeface="Arial" panose="020B0604020202020204" pitchFamily="34" charset="0"/>
               <a:buChar char="•"/>
             </a:pPr>
@@ -4806,6 +4829,9 @@
           </a:p>
           <a:p>
             <a:pPr marL="285750" indent="-285750">
+              <a:buClr>
+                <a:schemeClr val="accent1"/>
+              </a:buClr>
               <a:buFont typeface="Arial" panose="020B0604020202020204" pitchFamily="34" charset="0"/>
               <a:buChar char="•"/>
             </a:pPr>
@@ -4971,6 +4997,9 @@
           <a:lstStyle/>
           <a:p>
             <a:pPr marL="285750" indent="-285750">
+              <a:buClr>
+                <a:schemeClr val="accent1"/>
+              </a:buClr>
               <a:buFont typeface="Arial"/>
               <a:buChar char="•"/>
             </a:pPr>
@@ -4981,6 +5010,9 @@
           </a:p>
           <a:p>
             <a:pPr marL="285750" indent="-285750">
+              <a:buClr>
+                <a:schemeClr val="accent1"/>
+              </a:buClr>
               <a:buFont typeface="Arial"/>
               <a:buChar char="•"/>
             </a:pPr>
@@ -4991,6 +5023,9 @@
           </a:p>
           <a:p>
             <a:pPr marL="285750" indent="-285750">
+              <a:buClr>
+                <a:schemeClr val="accent1"/>
+              </a:buClr>
               <a:buFont typeface="Arial"/>
               <a:buChar char="•"/>
             </a:pPr>
@@ -5001,6 +5036,9 @@
           </a:p>
           <a:p>
             <a:pPr marL="285750" indent="-285750">
+              <a:buClr>
+                <a:schemeClr val="accent1"/>
+              </a:buClr>
               <a:buFont typeface="Arial"/>
               <a:buChar char="•"/>
             </a:pPr>
@@ -5134,7 +5172,7 @@
           <a:p>
             <a:r>
               <a:rPr lang="en-US" dirty="0" smtClean="0"/>
-              <a:t>Recommend songs with highest weights in descending order</a:t>
+              <a:t>Recommended songs with highest weights in descending order</a:t>
             </a:r>
             <a:endParaRPr lang="en-US" dirty="0"/>
           </a:p>
@@ -5271,7 +5309,7 @@
         </p:spPr>
         <p:txBody>
           <a:bodyPr>
-            <a:normAutofit/>
+            <a:normAutofit lnSpcReduction="10000"/>
           </a:bodyPr>
           <a:lstStyle/>
           <a:p>
@@ -5287,7 +5325,10 @@
             <a:endParaRPr lang="en-US" dirty="0" smtClean="0"/>
           </a:p>
           <a:p>
-            <a:endParaRPr lang="en-US" dirty="0"/>
+            <a:pPr marL="114300" indent="0">
+              <a:buNone/>
+            </a:pPr>
+            <a:endParaRPr lang="en-US" dirty="0" smtClean="0"/>
           </a:p>
           <a:p>
             <a:endParaRPr lang="en-US" dirty="0" smtClean="0"/>
@@ -5349,9 +5390,12 @@
             <a:endParaRPr lang="en-US" i="1" dirty="0" smtClean="0"/>
           </a:p>
           <a:p>
-            <a:r>
-              <a:rPr lang="en-US" dirty="0" smtClean="0"/>
-              <a:t>Recommend songs with highest weights in descending order</a:t>
+            <a:endParaRPr lang="en-US" i="1" dirty="0" smtClean="0"/>
+          </a:p>
+          <a:p>
+            <a:r>
+              <a:rPr lang="en-US" dirty="0" smtClean="0"/>
+              <a:t>Recommended songs with highest weights in descending order</a:t>
             </a:r>
             <a:endParaRPr lang="en-US" dirty="0"/>
           </a:p>
@@ -5402,7 +5446,7 @@
         </p:blipFill>
         <p:spPr>
           <a:xfrm>
-            <a:off x="532172" y="2309990"/>
+            <a:off x="532172" y="2120203"/>
             <a:ext cx="7360302" cy="1056288"/>
           </a:xfrm>
           <a:prstGeom prst="rect">
@@ -5432,7 +5476,7 @@
         </p:blipFill>
         <p:spPr>
           <a:xfrm>
-            <a:off x="2396223" y="5364857"/>
+            <a:off x="2396223" y="5175070"/>
             <a:ext cx="3111980" cy="870484"/>
           </a:xfrm>
           <a:prstGeom prst="rect">

--- a/presentation/PresentationFinal.pptx
+++ b/presentation/PresentationFinal.pptx
@@ -4340,7 +4340,7 @@
           <a:p>
             <a:r>
               <a:rPr lang="en-US" dirty="0" smtClean="0"/>
-              <a:t>MAP@500 takes into account the first 500 recommendations given to each user and calculates the number of true positives vs. the test set against the total number of recommended songs at each position, averaged together. It then takes the average across all users</a:t>
+              <a:t>MAP@500 takes into account the first 500 recommendations given to each user and calculates the number of true positives vs. the test set against the total number of recommended songs at each position, averaged together. It is then averaged across all users</a:t>
             </a:r>
           </a:p>
           <a:p>
@@ -5200,8 +5200,8 @@
         </p:blipFill>
         <p:spPr>
           <a:xfrm>
-            <a:off x="2421934" y="4966070"/>
-            <a:ext cx="3101579" cy="855608"/>
+            <a:off x="2845276" y="4966070"/>
+            <a:ext cx="2672867" cy="737343"/>
           </a:xfrm>
           <a:prstGeom prst="rect">
             <a:avLst/>
@@ -5230,8 +5230,8 @@
         </p:blipFill>
         <p:spPr>
           <a:xfrm>
-            <a:off x="526206" y="2322578"/>
-            <a:ext cx="7384794" cy="1028401"/>
+            <a:off x="978744" y="2322579"/>
+            <a:ext cx="6334987" cy="882206"/>
           </a:xfrm>
           <a:prstGeom prst="rect">
             <a:avLst/>
@@ -5446,8 +5446,8 @@
         </p:blipFill>
         <p:spPr>
           <a:xfrm>
-            <a:off x="532172" y="2120203"/>
-            <a:ext cx="7360302" cy="1056288"/>
+            <a:off x="984710" y="2266193"/>
+            <a:ext cx="6329021" cy="908287"/>
           </a:xfrm>
           <a:prstGeom prst="rect">
             <a:avLst/>
@@ -5476,8 +5476,8 @@
         </p:blipFill>
         <p:spPr>
           <a:xfrm>
-            <a:off x="2396223" y="5175070"/>
-            <a:ext cx="3111980" cy="870484"/>
+            <a:off x="2848761" y="5233466"/>
+            <a:ext cx="2654783" cy="742597"/>
           </a:xfrm>
           <a:prstGeom prst="rect">
             <a:avLst/>

--- a/presentation/PresentationFinal.pptx
+++ b/presentation/PresentationFinal.pptx
@@ -4340,7 +4340,7 @@
           <a:p>
             <a:r>
               <a:rPr lang="en-US" dirty="0" smtClean="0"/>
-              <a:t>MAP@500 takes into account the first 500 recommendations given to each user and calculates the number of true positives vs. the test set against the total number of recommended songs at each position, averaged together. It is then averaged across all users</a:t>
+              <a:t>MAP@500 takes into account the first 500 recommendations given to each user and calculates the number of true positives vs. the test set against the total number of recommended songs at each position, averaged together. It was then averaged across all users</a:t>
             </a:r>
           </a:p>
           <a:p>
